--- a/PLPTH813Bioinformatis/2025/1_lecture/lecture10_variants.pptx
+++ b/PLPTH813Bioinformatis/2025/1_lecture/lecture10_variants.pptx
@@ -284,7 +284,7 @@
               <a:pPr>
                 <a:defRPr/>
               </a:pPr>
-              <a:t>2/23/25</a:t>
+              <a:t>2/25/25</a:t>
             </a:fld>
             <a:endParaRPr lang="en-US"/>
           </a:p>
@@ -494,7 +494,7 @@
               <a:pPr>
                 <a:defRPr/>
               </a:pPr>
-              <a:t>2/23/25</a:t>
+              <a:t>2/25/25</a:t>
             </a:fld>
             <a:endParaRPr lang="en-US"/>
           </a:p>
@@ -1069,7 +1069,7 @@
           <a:ln/>
           <a:extLst>
             <a:ext uri="{FAA26D3D-D897-4be2-8F04-BA451C77F1D7}">
-              <ma14:placeholderFlag xmlns="" xmlns:ma14="http://schemas.microsoft.com/office/mac/drawingml/2011/main" val="1"/>
+              <ma14:placeholderFlag xmlns:ma14="http://schemas.microsoft.com/office/mac/drawingml/2011/main" xmlns="" val="1"/>
             </a:ext>
           </a:extLst>
         </p:spPr>
@@ -1144,14 +1144,14 @@
           </a:ln>
           <a:extLst>
             <a:ext uri="{909E8E84-426E-40dd-AFC4-6F175D3DCCD1}">
-              <a14:hiddenFill xmlns="" xmlns:a14="http://schemas.microsoft.com/office/drawing/2010/main">
+              <a14:hiddenFill xmlns:a14="http://schemas.microsoft.com/office/drawing/2010/main" xmlns="">
                 <a:solidFill>
                   <a:srgbClr val="FFFFFF"/>
                 </a:solidFill>
               </a14:hiddenFill>
             </a:ext>
             <a:ext uri="{FAA26D3D-D897-4be2-8F04-BA451C77F1D7}">
-              <ma14:placeholderFlag xmlns="" xmlns:ma14="http://schemas.microsoft.com/office/mac/drawingml/2011/main" val="1"/>
+              <ma14:placeholderFlag xmlns:ma14="http://schemas.microsoft.com/office/mac/drawingml/2011/main" xmlns="" val="1"/>
             </a:ext>
           </a:extLst>
         </p:spPr>
@@ -1170,14 +1170,14 @@
           <a:noFill/>
           <a:extLst>
             <a:ext uri="{909E8E84-426E-40dd-AFC4-6F175D3DCCD1}">
-              <a14:hiddenFill xmlns="" xmlns:a14="http://schemas.microsoft.com/office/drawing/2010/main">
+              <a14:hiddenFill xmlns:a14="http://schemas.microsoft.com/office/drawing/2010/main" xmlns="">
                 <a:solidFill>
                   <a:srgbClr val="FFFFFF"/>
                 </a:solidFill>
               </a14:hiddenFill>
             </a:ext>
             <a:ext uri="{91240B29-F687-4f45-9708-019B960494DF}">
-              <a14:hiddenLine xmlns="" xmlns:a14="http://schemas.microsoft.com/office/drawing/2010/main" w="9525">
+              <a14:hiddenLine xmlns:a14="http://schemas.microsoft.com/office/drawing/2010/main" xmlns="" w="9525">
                 <a:solidFill>
                   <a:srgbClr val="000000"/>
                 </a:solidFill>
@@ -1187,7 +1187,7 @@
               </a14:hiddenLine>
             </a:ext>
             <a:ext uri="{FAA26D3D-D897-4be2-8F04-BA451C77F1D7}">
-              <ma14:placeholderFlag xmlns="" xmlns:ma14="http://schemas.microsoft.com/office/mac/drawingml/2011/main" val="1"/>
+              <ma14:placeholderFlag xmlns:ma14="http://schemas.microsoft.com/office/mac/drawingml/2011/main" xmlns="" val="1"/>
             </a:ext>
           </a:extLst>
         </p:spPr>
@@ -2023,7 +2023,7 @@
               <a:pPr>
                 <a:defRPr/>
               </a:pPr>
-              <a:t>2/23/25</a:t>
+              <a:t>2/25/25</a:t>
             </a:fld>
             <a:endParaRPr lang="en-US"/>
           </a:p>
@@ -2218,7 +2218,7 @@
               <a:pPr>
                 <a:defRPr/>
               </a:pPr>
-              <a:t>2/23/25</a:t>
+              <a:t>2/25/25</a:t>
             </a:fld>
             <a:endParaRPr lang="en-US"/>
           </a:p>
@@ -2423,7 +2423,7 @@
               <a:pPr>
                 <a:defRPr/>
               </a:pPr>
-              <a:t>2/23/25</a:t>
+              <a:t>2/25/25</a:t>
             </a:fld>
             <a:endParaRPr lang="en-US"/>
           </a:p>
@@ -2618,7 +2618,7 @@
               <a:pPr>
                 <a:defRPr/>
               </a:pPr>
-              <a:t>2/23/25</a:t>
+              <a:t>2/25/25</a:t>
             </a:fld>
             <a:endParaRPr lang="en-US"/>
           </a:p>
@@ -2890,7 +2890,7 @@
               <a:pPr>
                 <a:defRPr/>
               </a:pPr>
-              <a:t>2/23/25</a:t>
+              <a:t>2/25/25</a:t>
             </a:fld>
             <a:endParaRPr lang="en-US"/>
           </a:p>
@@ -3202,7 +3202,7 @@
               <a:pPr>
                 <a:defRPr/>
               </a:pPr>
-              <a:t>2/23/25</a:t>
+              <a:t>2/25/25</a:t>
             </a:fld>
             <a:endParaRPr lang="en-US"/>
           </a:p>
@@ -3648,7 +3648,7 @@
               <a:pPr>
                 <a:defRPr/>
               </a:pPr>
-              <a:t>2/23/25</a:t>
+              <a:t>2/25/25</a:t>
             </a:fld>
             <a:endParaRPr lang="en-US"/>
           </a:p>
@@ -3792,7 +3792,7 @@
               <a:pPr>
                 <a:defRPr/>
               </a:pPr>
-              <a:t>2/23/25</a:t>
+              <a:t>2/25/25</a:t>
             </a:fld>
             <a:endParaRPr lang="en-US"/>
           </a:p>
@@ -3914,7 +3914,7 @@
               <a:pPr>
                 <a:defRPr/>
               </a:pPr>
-              <a:t>2/23/25</a:t>
+              <a:t>2/25/25</a:t>
             </a:fld>
             <a:endParaRPr lang="en-US"/>
           </a:p>
@@ -4216,7 +4216,7 @@
               <a:pPr>
                 <a:defRPr/>
               </a:pPr>
-              <a:t>2/23/25</a:t>
+              <a:t>2/25/25</a:t>
             </a:fld>
             <a:endParaRPr lang="en-US"/>
           </a:p>
@@ -4498,7 +4498,7 @@
               <a:pPr>
                 <a:defRPr/>
               </a:pPr>
-              <a:t>2/23/25</a:t>
+              <a:t>2/25/25</a:t>
             </a:fld>
             <a:endParaRPr lang="en-US"/>
           </a:p>
@@ -4622,14 +4622,14 @@
           </a:ln>
           <a:extLst>
             <a:ext uri="{909E8E84-426E-40dd-AFC4-6F175D3DCCD1}">
-              <a14:hiddenFill xmlns="" xmlns:a14="http://schemas.microsoft.com/office/drawing/2010/main">
+              <a14:hiddenFill xmlns:a14="http://schemas.microsoft.com/office/drawing/2010/main" xmlns="">
                 <a:solidFill>
                   <a:srgbClr val="FFFFFF"/>
                 </a:solidFill>
               </a14:hiddenFill>
             </a:ext>
             <a:ext uri="{91240B29-F687-4f45-9708-019B960494DF}">
-              <a14:hiddenLine xmlns="" xmlns:a14="http://schemas.microsoft.com/office/drawing/2010/main" w="9525">
+              <a14:hiddenLine xmlns:a14="http://schemas.microsoft.com/office/drawing/2010/main" xmlns="" w="9525">
                 <a:solidFill>
                   <a:srgbClr val="000000"/>
                 </a:solidFill>
@@ -4639,7 +4639,7 @@
               </a14:hiddenLine>
             </a:ext>
             <a:ext uri="{FAA26D3D-D897-4be2-8F04-BA451C77F1D7}">
-              <ma14:placeholderFlag xmlns="" xmlns:ma14="http://schemas.microsoft.com/office/mac/drawingml/2011/main" val="1"/>
+              <ma14:placeholderFlag xmlns:ma14="http://schemas.microsoft.com/office/mac/drawingml/2011/main" xmlns="" val="1"/>
             </a:ext>
           </a:extLst>
         </p:spPr>
@@ -4683,14 +4683,14 @@
           </a:ln>
           <a:extLst>
             <a:ext uri="{909E8E84-426E-40dd-AFC4-6F175D3DCCD1}">
-              <a14:hiddenFill xmlns="" xmlns:a14="http://schemas.microsoft.com/office/drawing/2010/main">
+              <a14:hiddenFill xmlns:a14="http://schemas.microsoft.com/office/drawing/2010/main" xmlns="">
                 <a:solidFill>
                   <a:srgbClr val="FFFFFF"/>
                 </a:solidFill>
               </a14:hiddenFill>
             </a:ext>
             <a:ext uri="{91240B29-F687-4f45-9708-019B960494DF}">
-              <a14:hiddenLine xmlns="" xmlns:a14="http://schemas.microsoft.com/office/drawing/2010/main" w="9525">
+              <a14:hiddenLine xmlns:a14="http://schemas.microsoft.com/office/drawing/2010/main" xmlns="" w="9525">
                 <a:solidFill>
                   <a:srgbClr val="000000"/>
                 </a:solidFill>
@@ -4700,7 +4700,7 @@
               </a14:hiddenLine>
             </a:ext>
             <a:ext uri="{FAA26D3D-D897-4be2-8F04-BA451C77F1D7}">
-              <ma14:placeholderFlag xmlns="" xmlns:ma14="http://schemas.microsoft.com/office/mac/drawingml/2011/main" val="1"/>
+              <ma14:placeholderFlag xmlns:ma14="http://schemas.microsoft.com/office/mac/drawingml/2011/main" xmlns="" val="1"/>
             </a:ext>
           </a:extLst>
         </p:spPr>
@@ -4792,7 +4792,7 @@
               <a:pPr>
                 <a:defRPr/>
               </a:pPr>
-              <a:t>2/23/25</a:t>
+              <a:t>2/25/25</a:t>
             </a:fld>
             <a:endParaRPr lang="en-US"/>
           </a:p>
@@ -18458,14 +18458,14 @@
           </a:ln>
           <a:extLst>
             <a:ext uri="{909E8E84-426E-40dd-AFC4-6F175D3DCCD1}">
-              <a14:hiddenFill xmlns="" xmlns:a14="http://schemas.microsoft.com/office/drawing/2010/main">
+              <a14:hiddenFill xmlns:a14="http://schemas.microsoft.com/office/drawing/2010/main" xmlns="">
                 <a:solidFill>
                   <a:srgbClr val="FFFFFF"/>
                 </a:solidFill>
               </a14:hiddenFill>
             </a:ext>
             <a:ext uri="{91240B29-F687-4f45-9708-019B960494DF}">
-              <a14:hiddenLine xmlns="" xmlns:a14="http://schemas.microsoft.com/office/drawing/2010/main" w="9525">
+              <a14:hiddenLine xmlns:a14="http://schemas.microsoft.com/office/drawing/2010/main" xmlns="" w="9525">
                 <a:solidFill>
                   <a:srgbClr val="000000"/>
                 </a:solidFill>
